--- a/RushHour presentatie 2.pptx
+++ b/RushHour presentatie 2.pptx
@@ -5,7 +5,7 @@
     <p:sldMasterId id="2147483648" r:id="rId1"/>
   </p:sldMasterIdLst>
   <p:notesMasterIdLst>
-    <p:notesMasterId r:id="rId12"/>
+    <p:notesMasterId r:id="rId13"/>
   </p:notesMasterIdLst>
   <p:sldIdLst>
     <p:sldId id="2368" r:id="rId2"/>
@@ -18,6 +18,7 @@
     <p:sldId id="2375" r:id="rId9"/>
     <p:sldId id="2376" r:id="rId10"/>
     <p:sldId id="2378" r:id="rId11"/>
+    <p:sldId id="2379" r:id="rId12"/>
   </p:sldIdLst>
   <p:sldSz cx="24377650" cy="13716000"/>
   <p:notesSz cx="6858000" cy="9144000"/>
@@ -2017,8 +2018,8 @@
         </p:nvSpPr>
         <p:spPr>
           <a:xfrm>
-            <a:off x="-757538" y="-155959"/>
-            <a:ext cx="25135187" cy="14584913"/>
+            <a:off x="-1024904" y="-155958"/>
+            <a:ext cx="25402553" cy="14518730"/>
           </a:xfrm>
           <a:prstGeom prst="rect">
             <a:avLst/>
@@ -2296,6 +2297,118 @@
     <p:extLst>
       <p:ext uri="{BB962C8B-B14F-4D97-AF65-F5344CB8AC3E}">
         <p14:creationId xmlns:p14="http://schemas.microsoft.com/office/powerpoint/2010/main" val="1400955237"/>
+      </p:ext>
+    </p:extLst>
+  </p:cSld>
+  <p:clrMapOvr>
+    <a:masterClrMapping/>
+  </p:clrMapOvr>
+  <p:timing>
+    <p:tnLst>
+      <p:par>
+        <p:cTn id="1" dur="indefinite" restart="never" nodeType="tmRoot"/>
+      </p:par>
+    </p:tnLst>
+  </p:timing>
+</p:sld>
+</file>
+
+<file path=ppt/slides/slide11.xml><?xml version="1.0" encoding="utf-8"?>
+<p:sld xmlns:a="http://schemas.openxmlformats.org/drawingml/2006/main" xmlns:r="http://schemas.openxmlformats.org/officeDocument/2006/relationships" xmlns:p="http://schemas.openxmlformats.org/presentationml/2006/main">
+  <p:cSld>
+    <p:spTree>
+      <p:nvGrpSpPr>
+        <p:cNvPr id="1" name=""/>
+        <p:cNvGrpSpPr/>
+        <p:nvPr/>
+      </p:nvGrpSpPr>
+      <p:grpSpPr>
+        <a:xfrm>
+          <a:off x="0" y="0"/>
+          <a:ext cx="0" cy="0"/>
+          <a:chOff x="0" y="0"/>
+          <a:chExt cx="0" cy="0"/>
+        </a:xfrm>
+      </p:grpSpPr>
+      <p:sp>
+        <p:nvSpPr>
+          <p:cNvPr id="4" name="Tijdelijke aanduiding voor dianummer 3"/>
+          <p:cNvSpPr>
+            <a:spLocks noGrp="1"/>
+          </p:cNvSpPr>
+          <p:nvPr>
+            <p:ph type="sldNum" sz="quarter" idx="12"/>
+          </p:nvPr>
+        </p:nvSpPr>
+        <p:spPr/>
+        <p:txBody>
+          <a:bodyPr/>
+          <a:lstStyle/>
+          <a:p>
+            <a:fld id="{5B8E55F3-8655-B444-9862-24362672072E}" type="slidenum">
+              <a:rPr lang="en-US" smtClean="0"/>
+              <a:t>11</a:t>
+            </a:fld>
+            <a:endParaRPr lang="en-US"/>
+          </a:p>
+        </p:txBody>
+      </p:sp>
+      <p:sp>
+        <p:nvSpPr>
+          <p:cNvPr id="5" name="TextBox 3"/>
+          <p:cNvSpPr txBox="1"/>
+          <p:nvPr/>
+        </p:nvSpPr>
+        <p:spPr>
+          <a:xfrm>
+            <a:off x="9605490" y="4847362"/>
+            <a:ext cx="5166672" cy="1399807"/>
+          </a:xfrm>
+          <a:prstGeom prst="rect">
+            <a:avLst/>
+          </a:prstGeom>
+          <a:noFill/>
+        </p:spPr>
+        <p:txBody>
+          <a:bodyPr wrap="none" rtlCol="0">
+            <a:spAutoFit/>
+          </a:bodyPr>
+          <a:lstStyle/>
+          <a:p>
+            <a:pPr algn="ctr">
+              <a:lnSpc>
+                <a:spcPts val="10000"/>
+              </a:lnSpc>
+            </a:pPr>
+            <a:r>
+              <a:rPr lang="en-US" sz="11500" b="1" dirty="0" err="1" smtClean="0">
+                <a:solidFill>
+                  <a:schemeClr val="tx2"/>
+                </a:solidFill>
+                <a:latin typeface="Montserrat Bold" charset="0"/>
+                <a:ea typeface="Montserrat Bold" charset="0"/>
+                <a:cs typeface="Montserrat Bold" charset="0"/>
+              </a:rPr>
+              <a:t>Vragen</a:t>
+            </a:r>
+            <a:r>
+              <a:rPr lang="en-US" sz="6600" b="1" dirty="0">
+                <a:solidFill>
+                  <a:schemeClr val="tx2"/>
+                </a:solidFill>
+                <a:latin typeface="Montserrat Bold" charset="0"/>
+                <a:ea typeface="Montserrat Bold" charset="0"/>
+                <a:cs typeface="Montserrat Bold" charset="0"/>
+              </a:rPr>
+              <a:t>?</a:t>
+            </a:r>
+          </a:p>
+        </p:txBody>
+      </p:sp>
+    </p:spTree>
+    <p:extLst>
+      <p:ext uri="{BB962C8B-B14F-4D97-AF65-F5344CB8AC3E}">
+        <p14:creationId xmlns:p14="http://schemas.microsoft.com/office/powerpoint/2010/main" val="1562269348"/>
       </p:ext>
     </p:extLst>
   </p:cSld>
@@ -3172,60 +3285,14 @@
       </p:pic>
       <p:sp>
         <p:nvSpPr>
-          <p:cNvPr id="13" name="TextBox 12"/>
-          <p:cNvSpPr txBox="1"/>
-          <p:nvPr/>
-        </p:nvSpPr>
-        <p:spPr>
-          <a:xfrm>
-            <a:off x="4780095" y="9815799"/>
-            <a:ext cx="12879698" cy="1327793"/>
-          </a:xfrm>
-          <a:prstGeom prst="rect">
-            <a:avLst/>
-          </a:prstGeom>
-          <a:noFill/>
-        </p:spPr>
-        <p:txBody>
-          <a:bodyPr wrap="square" lIns="217673" tIns="108836" rIns="217673" bIns="108836" rtlCol="0">
-            <a:spAutoFit/>
-          </a:bodyPr>
-          <a:lstStyle/>
-          <a:p>
-            <a:pPr algn="ctr"/>
-            <a:r>
-              <a:rPr lang="en-US" dirty="0" err="1" smtClean="0"/>
-              <a:t>Upperbound</a:t>
-            </a:r>
-            <a:r>
-              <a:rPr lang="en-US" dirty="0" smtClean="0"/>
-              <a:t>: 5</a:t>
-            </a:r>
-          </a:p>
-          <a:p>
-            <a:pPr algn="ctr"/>
-            <a:r>
-              <a:rPr lang="en-US" dirty="0" err="1" smtClean="0"/>
-              <a:t>Lowerbound</a:t>
-            </a:r>
-            <a:r>
-              <a:rPr lang="en-US" dirty="0" smtClean="0"/>
-              <a:t>: 0</a:t>
-            </a:r>
-            <a:endParaRPr lang="en-US" dirty="0"/>
-          </a:p>
-        </p:txBody>
-      </p:sp>
-      <p:sp>
-        <p:nvSpPr>
           <p:cNvPr id="6" name="TextBox 5"/>
           <p:cNvSpPr txBox="1"/>
           <p:nvPr/>
         </p:nvSpPr>
         <p:spPr>
           <a:xfrm>
-            <a:off x="8503828" y="743713"/>
-            <a:ext cx="7380183" cy="1330279"/>
+            <a:off x="9890242" y="743713"/>
+            <a:ext cx="4607352" cy="1252522"/>
           </a:xfrm>
           <a:prstGeom prst="rect">
             <a:avLst/>
@@ -3244,7 +3311,7 @@
               </a:lnSpc>
             </a:pPr>
             <a:r>
-              <a:rPr lang="en-US" sz="6600" b="1" smtClean="0">
+              <a:rPr lang="en-US" sz="6600" b="1" dirty="0" err="1" smtClean="0">
                 <a:solidFill>
                   <a:schemeClr val="tx2"/>
                 </a:solidFill>
@@ -3252,7 +3319,7 @@
                 <a:ea typeface="Montserrat Bold" charset="0"/>
                 <a:cs typeface="Montserrat Bold" charset="0"/>
               </a:rPr>
-              <a:t>Oplossingsruimte</a:t>
+              <a:t>Oplossingen</a:t>
             </a:r>
             <a:endParaRPr lang="en-US" sz="6600" b="1" dirty="0">
               <a:solidFill>
@@ -3334,84 +3401,6 @@
       </p:pic>
       <p:sp>
         <p:nvSpPr>
-          <p:cNvPr id="6" name="TextBox 5"/>
-          <p:cNvSpPr txBox="1"/>
-          <p:nvPr/>
-        </p:nvSpPr>
-        <p:spPr>
-          <a:xfrm>
-            <a:off x="16829917" y="7570885"/>
-            <a:ext cx="4176971" cy="1881791"/>
-          </a:xfrm>
-          <a:prstGeom prst="rect">
-            <a:avLst/>
-          </a:prstGeom>
-          <a:noFill/>
-        </p:spPr>
-        <p:txBody>
-          <a:bodyPr wrap="square" lIns="217673" tIns="108836" rIns="217673" bIns="108836" rtlCol="0">
-            <a:spAutoFit/>
-          </a:bodyPr>
-          <a:lstStyle/>
-          <a:p>
-            <a:r>
-              <a:rPr lang="en-US" dirty="0" smtClean="0"/>
-              <a:t>(</a:t>
-            </a:r>
-            <a:r>
-              <a:rPr lang="en-US" dirty="0" err="1" smtClean="0"/>
-              <a:t>dit</a:t>
-            </a:r>
-            <a:r>
-              <a:rPr lang="en-US" dirty="0" smtClean="0"/>
-              <a:t> is </a:t>
-            </a:r>
-            <a:r>
-              <a:rPr lang="en-US" dirty="0" err="1" smtClean="0"/>
-              <a:t>een</a:t>
-            </a:r>
-            <a:r>
-              <a:rPr lang="en-US" dirty="0" smtClean="0"/>
-              <a:t> gif, </a:t>
-            </a:r>
-            <a:r>
-              <a:rPr lang="en-US" dirty="0" err="1" smtClean="0"/>
-              <a:t>hij</a:t>
-            </a:r>
-            <a:r>
-              <a:rPr lang="en-US" dirty="0" smtClean="0"/>
-              <a:t> </a:t>
-            </a:r>
-            <a:r>
-              <a:rPr lang="en-US" dirty="0" err="1" smtClean="0"/>
-              <a:t>speelt</a:t>
-            </a:r>
-            <a:r>
-              <a:rPr lang="en-US" dirty="0" smtClean="0"/>
-              <a:t> </a:t>
-            </a:r>
-            <a:r>
-              <a:rPr lang="en-US" dirty="0" err="1" smtClean="0"/>
-              <a:t>als</a:t>
-            </a:r>
-            <a:r>
-              <a:rPr lang="en-US" dirty="0" smtClean="0"/>
-              <a:t> de slide </a:t>
-            </a:r>
-            <a:r>
-              <a:rPr lang="en-US" dirty="0" err="1" smtClean="0"/>
-              <a:t>begint</a:t>
-            </a:r>
-            <a:r>
-              <a:rPr lang="en-US" dirty="0" smtClean="0"/>
-              <a:t>)</a:t>
-            </a:r>
-            <a:endParaRPr lang="en-US" dirty="0"/>
-          </a:p>
-        </p:txBody>
-      </p:sp>
-      <p:sp>
-        <p:nvSpPr>
           <p:cNvPr id="7" name="TextBox 6"/>
           <p:cNvSpPr txBox="1"/>
           <p:nvPr/>
@@ -3467,60 +3456,6 @@
               <a:ea typeface="Montserrat Bold" charset="0"/>
               <a:cs typeface="Montserrat Bold" charset="0"/>
             </a:endParaRPr>
-          </a:p>
-        </p:txBody>
-      </p:sp>
-      <p:sp>
-        <p:nvSpPr>
-          <p:cNvPr id="4" name="TextBox 3"/>
-          <p:cNvSpPr txBox="1"/>
-          <p:nvPr/>
-        </p:nvSpPr>
-        <p:spPr>
-          <a:xfrm>
-            <a:off x="7207593" y="11808075"/>
-            <a:ext cx="8488979" cy="646331"/>
-          </a:xfrm>
-          <a:prstGeom prst="rect">
-            <a:avLst/>
-          </a:prstGeom>
-          <a:noFill/>
-        </p:spPr>
-        <p:txBody>
-          <a:bodyPr wrap="square" rtlCol="0">
-            <a:spAutoFit/>
-          </a:bodyPr>
-          <a:lstStyle/>
-          <a:p>
-            <a:r>
-              <a:rPr lang="en-US" dirty="0" err="1" smtClean="0"/>
-              <a:t>Vind</a:t>
-            </a:r>
-            <a:r>
-              <a:rPr lang="en-US" dirty="0" smtClean="0"/>
-              <a:t> </a:t>
-            </a:r>
-            <a:r>
-              <a:rPr lang="en-US" dirty="0" err="1" smtClean="0"/>
-              <a:t>eerst</a:t>
-            </a:r>
-            <a:r>
-              <a:rPr lang="en-US" dirty="0" smtClean="0"/>
-              <a:t> de </a:t>
-            </a:r>
-            <a:r>
-              <a:rPr lang="en-US" dirty="0" err="1" smtClean="0"/>
-              <a:t>hele</a:t>
-            </a:r>
-            <a:r>
-              <a:rPr lang="en-US" dirty="0" smtClean="0"/>
-              <a:t> </a:t>
-            </a:r>
-            <a:r>
-              <a:rPr lang="en-US" dirty="0" err="1" smtClean="0"/>
-              <a:t>toestandsruimte</a:t>
-            </a:r>
-            <a:endParaRPr lang="en-US" dirty="0"/>
           </a:p>
         </p:txBody>
       </p:sp>
@@ -3561,84 +3496,6 @@
           <a:chExt cx="0" cy="0"/>
         </a:xfrm>
       </p:grpSpPr>
-      <p:sp>
-        <p:nvSpPr>
-          <p:cNvPr id="6" name="TextBox 5"/>
-          <p:cNvSpPr txBox="1"/>
-          <p:nvPr/>
-        </p:nvSpPr>
-        <p:spPr>
-          <a:xfrm>
-            <a:off x="17667253" y="1306194"/>
-            <a:ext cx="3431754" cy="1881791"/>
-          </a:xfrm>
-          <a:prstGeom prst="rect">
-            <a:avLst/>
-          </a:prstGeom>
-          <a:noFill/>
-        </p:spPr>
-        <p:txBody>
-          <a:bodyPr wrap="square" lIns="217673" tIns="108836" rIns="217673" bIns="108836" rtlCol="0">
-            <a:spAutoFit/>
-          </a:bodyPr>
-          <a:lstStyle/>
-          <a:p>
-            <a:r>
-              <a:rPr lang="en-US" dirty="0" smtClean="0"/>
-              <a:t>(</a:t>
-            </a:r>
-            <a:r>
-              <a:rPr lang="en-US" dirty="0" err="1" smtClean="0"/>
-              <a:t>dit</a:t>
-            </a:r>
-            <a:r>
-              <a:rPr lang="en-US" dirty="0" smtClean="0"/>
-              <a:t> is </a:t>
-            </a:r>
-            <a:r>
-              <a:rPr lang="en-US" dirty="0" err="1" smtClean="0"/>
-              <a:t>een</a:t>
-            </a:r>
-            <a:r>
-              <a:rPr lang="en-US" dirty="0" smtClean="0"/>
-              <a:t> gif, </a:t>
-            </a:r>
-            <a:r>
-              <a:rPr lang="en-US" dirty="0" err="1" smtClean="0"/>
-              <a:t>hij</a:t>
-            </a:r>
-            <a:r>
-              <a:rPr lang="en-US" dirty="0" smtClean="0"/>
-              <a:t> </a:t>
-            </a:r>
-            <a:r>
-              <a:rPr lang="en-US" dirty="0" err="1" smtClean="0"/>
-              <a:t>speelt</a:t>
-            </a:r>
-            <a:r>
-              <a:rPr lang="en-US" dirty="0" smtClean="0"/>
-              <a:t> </a:t>
-            </a:r>
-            <a:r>
-              <a:rPr lang="en-US" dirty="0" err="1" smtClean="0"/>
-              <a:t>als</a:t>
-            </a:r>
-            <a:r>
-              <a:rPr lang="en-US" dirty="0" smtClean="0"/>
-              <a:t> de slide </a:t>
-            </a:r>
-            <a:r>
-              <a:rPr lang="en-US" dirty="0" err="1" smtClean="0"/>
-              <a:t>begint</a:t>
-            </a:r>
-            <a:r>
-              <a:rPr lang="en-US" dirty="0" smtClean="0"/>
-              <a:t>)</a:t>
-            </a:r>
-            <a:endParaRPr lang="en-US" dirty="0"/>
-          </a:p>
-        </p:txBody>
-      </p:sp>
       <p:pic>
         <p:nvPicPr>
           <p:cNvPr id="4" name="Picture 3" descr="Dijkstra_Animation.gif"/>
@@ -3788,84 +3645,6 @@
           <a:chExt cx="0" cy="0"/>
         </a:xfrm>
       </p:grpSpPr>
-      <p:sp>
-        <p:nvSpPr>
-          <p:cNvPr id="6" name="TextBox 5"/>
-          <p:cNvSpPr txBox="1"/>
-          <p:nvPr/>
-        </p:nvSpPr>
-        <p:spPr>
-          <a:xfrm>
-            <a:off x="17667253" y="1306194"/>
-            <a:ext cx="3431754" cy="1881791"/>
-          </a:xfrm>
-          <a:prstGeom prst="rect">
-            <a:avLst/>
-          </a:prstGeom>
-          <a:noFill/>
-        </p:spPr>
-        <p:txBody>
-          <a:bodyPr wrap="square" lIns="217673" tIns="108836" rIns="217673" bIns="108836" rtlCol="0">
-            <a:spAutoFit/>
-          </a:bodyPr>
-          <a:lstStyle/>
-          <a:p>
-            <a:r>
-              <a:rPr lang="en-US" dirty="0" smtClean="0"/>
-              <a:t>(</a:t>
-            </a:r>
-            <a:r>
-              <a:rPr lang="en-US" dirty="0" err="1" smtClean="0"/>
-              <a:t>dit</a:t>
-            </a:r>
-            <a:r>
-              <a:rPr lang="en-US" dirty="0" smtClean="0"/>
-              <a:t> is </a:t>
-            </a:r>
-            <a:r>
-              <a:rPr lang="en-US" dirty="0" err="1" smtClean="0"/>
-              <a:t>een</a:t>
-            </a:r>
-            <a:r>
-              <a:rPr lang="en-US" dirty="0" smtClean="0"/>
-              <a:t> gif, </a:t>
-            </a:r>
-            <a:r>
-              <a:rPr lang="en-US" dirty="0" err="1" smtClean="0"/>
-              <a:t>hij</a:t>
-            </a:r>
-            <a:r>
-              <a:rPr lang="en-US" dirty="0" smtClean="0"/>
-              <a:t> </a:t>
-            </a:r>
-            <a:r>
-              <a:rPr lang="en-US" dirty="0" err="1" smtClean="0"/>
-              <a:t>speelt</a:t>
-            </a:r>
-            <a:r>
-              <a:rPr lang="en-US" dirty="0" smtClean="0"/>
-              <a:t> </a:t>
-            </a:r>
-            <a:r>
-              <a:rPr lang="en-US" dirty="0" err="1" smtClean="0"/>
-              <a:t>als</a:t>
-            </a:r>
-            <a:r>
-              <a:rPr lang="en-US" dirty="0" smtClean="0"/>
-              <a:t> de slide </a:t>
-            </a:r>
-            <a:r>
-              <a:rPr lang="en-US" dirty="0" err="1" smtClean="0"/>
-              <a:t>begint</a:t>
-            </a:r>
-            <a:r>
-              <a:rPr lang="en-US" dirty="0" smtClean="0"/>
-              <a:t>)</a:t>
-            </a:r>
-            <a:endParaRPr lang="en-US" dirty="0"/>
-          </a:p>
-        </p:txBody>
-      </p:sp>
       <p:pic>
         <p:nvPicPr>
           <p:cNvPr id="5" name="Picture 4" descr="AstarExampleEn.gif"/>
@@ -4017,11 +3796,7 @@
           <a:p>
             <a:r>
               <a:rPr lang="en-US" dirty="0" smtClean="0"/>
-              <a:t>Classes</a:t>
-            </a:r>
-            <a:r>
-              <a:rPr lang="en-US" dirty="0" smtClean="0"/>
-              <a:t>: </a:t>
+              <a:t>Classes: </a:t>
             </a:r>
           </a:p>
           <a:p>
@@ -4571,6 +4346,13 @@
   <p:clrMapOvr>
     <a:masterClrMapping/>
   </p:clrMapOvr>
+  <p:timing>
+    <p:tnLst>
+      <p:par>
+        <p:cTn id="1" dur="indefinite" restart="never" nodeType="tmRoot"/>
+      </p:par>
+    </p:tnLst>
+  </p:timing>
 </p:sld>
 </file>
 
